--- a/課題研究/2015/島田樹/1342066島田樹ポスター.pptx
+++ b/課題研究/2015/島田樹/1342066島田樹ポスター.pptx
@@ -973,7 +973,7 @@
           <a:p>
             <a:fld id="{4ADE0E56-B02A-4EE7-B89E-44845DFFCF82}" type="datetimeFigureOut">
               <a:rPr kumimoji="1" lang="ja-JP" altLang="en-US" smtClean="0"/>
-              <a:t>2015/12/16</a:t>
+              <a:t>2015/12/17</a:t>
             </a:fld>
             <a:endParaRPr kumimoji="1" lang="ja-JP" altLang="en-US"/>
           </a:p>
@@ -1239,7 +1239,7 @@
           <a:p>
             <a:fld id="{4ADE0E56-B02A-4EE7-B89E-44845DFFCF82}" type="datetimeFigureOut">
               <a:rPr kumimoji="1" lang="ja-JP" altLang="en-US" smtClean="0"/>
-              <a:t>2015/12/16</a:t>
+              <a:t>2015/12/17</a:t>
             </a:fld>
             <a:endParaRPr kumimoji="1" lang="ja-JP" altLang="en-US"/>
           </a:p>
@@ -1489,7 +1489,7 @@
           <a:p>
             <a:fld id="{4ADE0E56-B02A-4EE7-B89E-44845DFFCF82}" type="datetimeFigureOut">
               <a:rPr kumimoji="1" lang="ja-JP" altLang="en-US" smtClean="0"/>
-              <a:t>2015/12/16</a:t>
+              <a:t>2015/12/17</a:t>
             </a:fld>
             <a:endParaRPr kumimoji="1" lang="ja-JP" altLang="en-US"/>
           </a:p>
@@ -1797,7 +1797,7 @@
           <a:p>
             <a:fld id="{4ADE0E56-B02A-4EE7-B89E-44845DFFCF82}" type="datetimeFigureOut">
               <a:rPr kumimoji="1" lang="ja-JP" altLang="en-US" smtClean="0"/>
-              <a:t>2015/12/16</a:t>
+              <a:t>2015/12/17</a:t>
             </a:fld>
             <a:endParaRPr kumimoji="1" lang="ja-JP" altLang="en-US"/>
           </a:p>
@@ -2115,7 +2115,7 @@
           <a:p>
             <a:fld id="{4ADE0E56-B02A-4EE7-B89E-44845DFFCF82}" type="datetimeFigureOut">
               <a:rPr kumimoji="1" lang="ja-JP" altLang="en-US" smtClean="0"/>
-              <a:t>2015/12/16</a:t>
+              <a:t>2015/12/17</a:t>
             </a:fld>
             <a:endParaRPr kumimoji="1" lang="ja-JP" altLang="en-US"/>
           </a:p>
@@ -2417,7 +2417,7 @@
           <a:p>
             <a:fld id="{4ADE0E56-B02A-4EE7-B89E-44845DFFCF82}" type="datetimeFigureOut">
               <a:rPr kumimoji="1" lang="ja-JP" altLang="en-US" smtClean="0"/>
-              <a:t>2015/12/16</a:t>
+              <a:t>2015/12/17</a:t>
             </a:fld>
             <a:endParaRPr kumimoji="1" lang="ja-JP" altLang="en-US"/>
           </a:p>
@@ -2784,7 +2784,7 @@
           <a:p>
             <a:fld id="{4ADE0E56-B02A-4EE7-B89E-44845DFFCF82}" type="datetimeFigureOut">
               <a:rPr kumimoji="1" lang="ja-JP" altLang="en-US" smtClean="0"/>
-              <a:t>2015/12/16</a:t>
+              <a:t>2015/12/17</a:t>
             </a:fld>
             <a:endParaRPr kumimoji="1" lang="ja-JP" altLang="en-US"/>
           </a:p>
@@ -3002,7 +3002,7 @@
           <a:p>
             <a:fld id="{4ADE0E56-B02A-4EE7-B89E-44845DFFCF82}" type="datetimeFigureOut">
               <a:rPr kumimoji="1" lang="ja-JP" altLang="en-US" smtClean="0"/>
-              <a:t>2015/12/16</a:t>
+              <a:t>2015/12/17</a:t>
             </a:fld>
             <a:endParaRPr kumimoji="1" lang="ja-JP" altLang="en-US"/>
           </a:p>
@@ -3220,7 +3220,7 @@
           <a:p>
             <a:fld id="{4ADE0E56-B02A-4EE7-B89E-44845DFFCF82}" type="datetimeFigureOut">
               <a:rPr kumimoji="1" lang="ja-JP" altLang="en-US" smtClean="0"/>
-              <a:t>2015/12/16</a:t>
+              <a:t>2015/12/17</a:t>
             </a:fld>
             <a:endParaRPr kumimoji="1" lang="ja-JP" altLang="en-US"/>
           </a:p>
@@ -3432,7 +3432,7 @@
           <a:p>
             <a:fld id="{4ADE0E56-B02A-4EE7-B89E-44845DFFCF82}" type="datetimeFigureOut">
               <a:rPr kumimoji="1" lang="ja-JP" altLang="en-US" smtClean="0"/>
-              <a:t>2015/12/16</a:t>
+              <a:t>2015/12/17</a:t>
             </a:fld>
             <a:endParaRPr kumimoji="1" lang="ja-JP" altLang="en-US"/>
           </a:p>
@@ -3682,7 +3682,7 @@
           <a:p>
             <a:fld id="{4ADE0E56-B02A-4EE7-B89E-44845DFFCF82}" type="datetimeFigureOut">
               <a:rPr kumimoji="1" lang="ja-JP" altLang="en-US" smtClean="0"/>
-              <a:t>2015/12/16</a:t>
+              <a:t>2015/12/17</a:t>
             </a:fld>
             <a:endParaRPr kumimoji="1" lang="ja-JP" altLang="en-US"/>
           </a:p>
@@ -3993,7 +3993,7 @@
           <a:p>
             <a:fld id="{4ADE0E56-B02A-4EE7-B89E-44845DFFCF82}" type="datetimeFigureOut">
               <a:rPr kumimoji="1" lang="ja-JP" altLang="en-US" smtClean="0"/>
-              <a:t>2015/12/16</a:t>
+              <a:t>2015/12/17</a:t>
             </a:fld>
             <a:endParaRPr kumimoji="1" lang="ja-JP" altLang="en-US"/>
           </a:p>
@@ -4446,7 +4446,7 @@
           <a:p>
             <a:fld id="{4ADE0E56-B02A-4EE7-B89E-44845DFFCF82}" type="datetimeFigureOut">
               <a:rPr kumimoji="1" lang="ja-JP" altLang="en-US" smtClean="0"/>
-              <a:t>2015/12/16</a:t>
+              <a:t>2015/12/17</a:t>
             </a:fld>
             <a:endParaRPr kumimoji="1" lang="ja-JP" altLang="en-US"/>
           </a:p>
@@ -4575,7 +4575,7 @@
           <a:p>
             <a:fld id="{4ADE0E56-B02A-4EE7-B89E-44845DFFCF82}" type="datetimeFigureOut">
               <a:rPr kumimoji="1" lang="ja-JP" altLang="en-US" smtClean="0"/>
-              <a:t>2015/12/16</a:t>
+              <a:t>2015/12/17</a:t>
             </a:fld>
             <a:endParaRPr kumimoji="1" lang="ja-JP" altLang="en-US"/>
           </a:p>
@@ -4670,7 +4670,7 @@
           <a:p>
             <a:fld id="{4ADE0E56-B02A-4EE7-B89E-44845DFFCF82}" type="datetimeFigureOut">
               <a:rPr kumimoji="1" lang="ja-JP" altLang="en-US" smtClean="0"/>
-              <a:t>2015/12/16</a:t>
+              <a:t>2015/12/17</a:t>
             </a:fld>
             <a:endParaRPr kumimoji="1" lang="ja-JP" altLang="en-US"/>
           </a:p>
@@ -4957,7 +4957,7 @@
           <a:p>
             <a:fld id="{4ADE0E56-B02A-4EE7-B89E-44845DFFCF82}" type="datetimeFigureOut">
               <a:rPr kumimoji="1" lang="ja-JP" altLang="en-US" smtClean="0"/>
-              <a:t>2015/12/16</a:t>
+              <a:t>2015/12/17</a:t>
             </a:fld>
             <a:endParaRPr kumimoji="1" lang="ja-JP" altLang="en-US"/>
           </a:p>
@@ -5240,7 +5240,7 @@
           <a:p>
             <a:fld id="{4ADE0E56-B02A-4EE7-B89E-44845DFFCF82}" type="datetimeFigureOut">
               <a:rPr kumimoji="1" lang="ja-JP" altLang="en-US" smtClean="0"/>
-              <a:t>2015/12/16</a:t>
+              <a:t>2015/12/17</a:t>
             </a:fld>
             <a:endParaRPr kumimoji="1" lang="ja-JP" altLang="en-US"/>
           </a:p>
@@ -5683,7 +5683,7 @@
           <a:p>
             <a:fld id="{4ADE0E56-B02A-4EE7-B89E-44845DFFCF82}" type="datetimeFigureOut">
               <a:rPr kumimoji="1" lang="ja-JP" altLang="en-US" smtClean="0"/>
-              <a:t>2015/12/16</a:t>
+              <a:t>2015/12/17</a:t>
             </a:fld>
             <a:endParaRPr kumimoji="1" lang="ja-JP" altLang="en-US"/>
           </a:p>
@@ -6973,34 +6973,245 @@
           </a:p>
         </p:txBody>
       </p:sp>
+      <p:sp>
+        <p:nvSpPr>
+          <p:cNvPr id="21" name="テキスト ボックス 20"/>
+          <p:cNvSpPr txBox="1"/>
+          <p:nvPr/>
+        </p:nvSpPr>
+        <p:spPr>
+          <a:xfrm>
+            <a:off x="11665720" y="21548699"/>
+            <a:ext cx="9721080" cy="2585323"/>
+          </a:xfrm>
+          <a:prstGeom prst="rect">
+            <a:avLst/>
+          </a:prstGeom>
+          <a:noFill/>
+        </p:spPr>
+        <p:txBody>
+          <a:bodyPr wrap="square" rtlCol="0">
+            <a:spAutoFit/>
+          </a:bodyPr>
+          <a:lstStyle/>
+          <a:p>
+            <a:r>
+              <a:rPr lang="ja-JP" altLang="en-US" sz="5400" dirty="0">
+                <a:solidFill>
+                  <a:schemeClr val="bg1"/>
+                </a:solidFill>
+              </a:rPr>
+              <a:t>集めたデータからグラフを作成し形を分類したところ</a:t>
+            </a:r>
+            <a:r>
+              <a:rPr lang="ja-JP" altLang="en-US" sz="5400" dirty="0" smtClean="0">
+                <a:solidFill>
+                  <a:schemeClr val="bg1"/>
+                </a:solidFill>
+              </a:rPr>
+              <a:t>，</a:t>
+            </a:r>
+            <a:endParaRPr lang="en-US" altLang="ja-JP" sz="5400" dirty="0" smtClean="0">
+              <a:solidFill>
+                <a:schemeClr val="bg1"/>
+              </a:solidFill>
+            </a:endParaRPr>
+          </a:p>
+          <a:p>
+            <a:r>
+              <a:rPr lang="en-US" altLang="ja-JP" sz="5400" dirty="0" smtClean="0">
+                <a:solidFill>
+                  <a:schemeClr val="bg1"/>
+                </a:solidFill>
+              </a:rPr>
+              <a:t>4</a:t>
+            </a:r>
+            <a:r>
+              <a:rPr lang="ja-JP" altLang="en-US" sz="5400" dirty="0">
+                <a:solidFill>
+                  <a:schemeClr val="bg1"/>
+                </a:solidFill>
+              </a:rPr>
+              <a:t>種類に</a:t>
+            </a:r>
+            <a:r>
+              <a:rPr lang="ja-JP" altLang="en-US" sz="5400" dirty="0" smtClean="0">
+                <a:solidFill>
+                  <a:schemeClr val="bg1"/>
+                </a:solidFill>
+              </a:rPr>
+              <a:t>分類することができた．</a:t>
+            </a:r>
+            <a:endParaRPr kumimoji="1" lang="ja-JP" altLang="en-US" sz="5400" dirty="0">
+              <a:solidFill>
+                <a:schemeClr val="bg1"/>
+              </a:solidFill>
+            </a:endParaRPr>
+          </a:p>
+        </p:txBody>
+      </p:sp>
+      <p:sp>
+        <p:nvSpPr>
+          <p:cNvPr id="22" name="テキスト ボックス 21"/>
+          <p:cNvSpPr txBox="1"/>
+          <p:nvPr/>
+        </p:nvSpPr>
+        <p:spPr>
+          <a:xfrm>
+            <a:off x="652664" y="26797749"/>
+            <a:ext cx="4031873" cy="1015663"/>
+          </a:xfrm>
+          <a:prstGeom prst="rect">
+            <a:avLst/>
+          </a:prstGeom>
+          <a:noFill/>
+        </p:spPr>
+        <p:txBody>
+          <a:bodyPr wrap="none" rtlCol="0">
+            <a:spAutoFit/>
+          </a:bodyPr>
+          <a:lstStyle/>
+          <a:p>
+            <a:r>
+              <a:rPr kumimoji="1" lang="ja-JP" altLang="en-US" dirty="0" smtClean="0">
+                <a:solidFill>
+                  <a:schemeClr val="bg1"/>
+                </a:solidFill>
+              </a:rPr>
+              <a:t>今後の予定</a:t>
+            </a:r>
+            <a:endParaRPr kumimoji="1" lang="ja-JP" altLang="en-US" dirty="0">
+              <a:solidFill>
+                <a:schemeClr val="bg1"/>
+              </a:solidFill>
+            </a:endParaRPr>
+          </a:p>
+        </p:txBody>
+      </p:sp>
+      <p:sp>
+        <p:nvSpPr>
+          <p:cNvPr id="23" name="テキスト ボックス 22"/>
+          <p:cNvSpPr txBox="1"/>
+          <p:nvPr/>
+        </p:nvSpPr>
+        <p:spPr>
+          <a:xfrm>
+            <a:off x="701086" y="27813412"/>
+            <a:ext cx="14592456" cy="2308324"/>
+          </a:xfrm>
+          <a:prstGeom prst="rect">
+            <a:avLst/>
+          </a:prstGeom>
+          <a:noFill/>
+        </p:spPr>
+        <p:txBody>
+          <a:bodyPr wrap="none" rtlCol="0">
+            <a:spAutoFit/>
+          </a:bodyPr>
+          <a:lstStyle/>
+          <a:p>
+            <a:pPr marL="857250" indent="-857250">
+              <a:buFont typeface="Arial" panose="020B0604020202020204" pitchFamily="34" charset="0"/>
+              <a:buChar char="•"/>
+            </a:pPr>
+            <a:r>
+              <a:rPr lang="ja-JP" altLang="en-US" sz="4800" dirty="0">
+                <a:solidFill>
+                  <a:schemeClr val="bg1"/>
+                </a:solidFill>
+              </a:rPr>
+              <a:t>データを自動で集められるように環境を整える</a:t>
+            </a:r>
+            <a:r>
+              <a:rPr lang="ja-JP" altLang="en-US" sz="4800" dirty="0" smtClean="0">
+                <a:solidFill>
+                  <a:schemeClr val="bg1"/>
+                </a:solidFill>
+              </a:rPr>
+              <a:t>．</a:t>
+            </a:r>
+            <a:endParaRPr lang="en-US" altLang="ja-JP" sz="4800" dirty="0">
+              <a:solidFill>
+                <a:schemeClr val="bg1"/>
+              </a:solidFill>
+            </a:endParaRPr>
+          </a:p>
+          <a:p>
+            <a:pPr marL="857250" indent="-857250">
+              <a:buFont typeface="Arial" panose="020B0604020202020204" pitchFamily="34" charset="0"/>
+              <a:buChar char="•"/>
+            </a:pPr>
+            <a:r>
+              <a:rPr lang="ja-JP" altLang="en-US" sz="4800" dirty="0">
+                <a:solidFill>
+                  <a:schemeClr val="bg1"/>
+                </a:solidFill>
+              </a:rPr>
+              <a:t>データを集めるサイトを増やす</a:t>
+            </a:r>
+            <a:r>
+              <a:rPr lang="ja-JP" altLang="en-US" sz="4800" dirty="0" smtClean="0">
+                <a:solidFill>
+                  <a:schemeClr val="bg1"/>
+                </a:solidFill>
+              </a:rPr>
+              <a:t>．</a:t>
+            </a:r>
+            <a:endParaRPr lang="en-US" altLang="ja-JP" sz="4800" dirty="0" smtClean="0">
+              <a:solidFill>
+                <a:schemeClr val="bg1"/>
+              </a:solidFill>
+            </a:endParaRPr>
+          </a:p>
+          <a:p>
+            <a:pPr marL="857250" indent="-857250">
+              <a:buFont typeface="Arial" panose="020B0604020202020204" pitchFamily="34" charset="0"/>
+              <a:buChar char="•"/>
+            </a:pPr>
+            <a:r>
+              <a:rPr lang="ja-JP" altLang="en-US" sz="4800" dirty="0">
+                <a:solidFill>
+                  <a:schemeClr val="bg1"/>
+                </a:solidFill>
+              </a:rPr>
+              <a:t>金額の推移に関わっている要因を探す．</a:t>
+            </a:r>
+            <a:endParaRPr kumimoji="1" lang="ja-JP" altLang="en-US" sz="4800" dirty="0">
+              <a:solidFill>
+                <a:schemeClr val="bg1"/>
+              </a:solidFill>
+            </a:endParaRPr>
+          </a:p>
+        </p:txBody>
+      </p:sp>
       <p:graphicFrame>
         <p:nvGraphicFramePr>
-          <p:cNvPr id="20" name="オブジェクト 19"/>
+          <p:cNvPr id="5" name="オブジェクト 4"/>
           <p:cNvGraphicFramePr>
             <a:graphicFrameLocks noChangeAspect="1"/>
           </p:cNvGraphicFramePr>
           <p:nvPr>
             <p:extLst>
               <p:ext uri="{D42A27DB-BD31-4B8C-83A1-F6EECF244321}">
-                <p14:modId xmlns:p14="http://schemas.microsoft.com/office/powerpoint/2010/main" val="1446909061"/>
+                <p14:modId xmlns:p14="http://schemas.microsoft.com/office/powerpoint/2010/main" val="827568286"/>
               </p:ext>
             </p:extLst>
           </p:nvPr>
         </p:nvGraphicFramePr>
         <p:xfrm>
-          <a:off x="377606" y="19516391"/>
-          <a:ext cx="11602686" cy="7281358"/>
+          <a:off x="701086" y="19652806"/>
+          <a:ext cx="5483168" cy="3372053"/>
         </p:xfrm>
         <a:graphic>
           <a:graphicData uri="http://schemas.openxmlformats.org/presentationml/2006/ole">
             <mc:AlternateContent xmlns:mc="http://schemas.openxmlformats.org/markup-compatibility/2006">
               <mc:Choice xmlns:v="urn:schemas-microsoft-com:vml" Requires="v">
-                <p:oleObj spid="_x0000_s1030" name="Acrobat Document" r:id="rId8" imgW="6981676" imgH="4381291" progId="AcroExch.Document.7">
+                <p:oleObj spid="_x0000_s1032" name="ワークシート" r:id="rId8" imgW="4556860" imgH="2801261" progId="Excel.Sheet.12">
                   <p:embed/>
                 </p:oleObj>
               </mc:Choice>
               <mc:Fallback>
-                <p:oleObj name="Acrobat Document" r:id="rId8" imgW="6981676" imgH="4381291" progId="AcroExch.Document.7">
+                <p:oleObj name="ワークシート" r:id="rId8" imgW="4556860" imgH="2801261" progId="Excel.Sheet.12">
                   <p:embed/>
                   <p:pic>
                     <p:nvPicPr>
@@ -7016,8 +7227,8 @@
                     </p:blipFill>
                     <p:spPr>
                       <a:xfrm>
-                        <a:off x="377606" y="19516391"/>
-                        <a:ext cx="11602686" cy="7281358"/>
+                        <a:off x="701086" y="19652806"/>
+                        <a:ext cx="5483168" cy="3372053"/>
                       </a:xfrm>
                       <a:prstGeom prst="rect">
                         <a:avLst/>
@@ -7030,217 +7241,177 @@
           </a:graphicData>
         </a:graphic>
       </p:graphicFrame>
-      <p:sp>
-        <p:nvSpPr>
-          <p:cNvPr id="21" name="テキスト ボックス 20"/>
-          <p:cNvSpPr txBox="1"/>
-          <p:nvPr/>
-        </p:nvSpPr>
-        <p:spPr>
-          <a:xfrm>
-            <a:off x="11665720" y="21548699"/>
-            <a:ext cx="9721080" cy="2585323"/>
-          </a:xfrm>
-          <a:prstGeom prst="rect">
-            <a:avLst/>
-          </a:prstGeom>
-          <a:noFill/>
-        </p:spPr>
-        <p:txBody>
-          <a:bodyPr wrap="square" rtlCol="0">
-            <a:spAutoFit/>
-          </a:bodyPr>
-          <a:lstStyle/>
-          <a:p>
-            <a:r>
-              <a:rPr lang="ja-JP" altLang="en-US" sz="5400" dirty="0">
-                <a:solidFill>
-                  <a:schemeClr val="bg1"/>
-                </a:solidFill>
-              </a:rPr>
-              <a:t>集めたデータからグラフを作成し形を分類したところ</a:t>
-            </a:r>
-            <a:r>
-              <a:rPr lang="ja-JP" altLang="en-US" sz="5400" dirty="0" smtClean="0">
-                <a:solidFill>
-                  <a:schemeClr val="bg1"/>
-                </a:solidFill>
-              </a:rPr>
-              <a:t>，</a:t>
-            </a:r>
-            <a:endParaRPr lang="en-US" altLang="ja-JP" sz="5400" dirty="0" smtClean="0">
-              <a:solidFill>
-                <a:schemeClr val="bg1"/>
-              </a:solidFill>
-            </a:endParaRPr>
-          </a:p>
-          <a:p>
-            <a:r>
-              <a:rPr lang="en-US" altLang="ja-JP" sz="5400" dirty="0" smtClean="0">
-                <a:solidFill>
-                  <a:schemeClr val="bg1"/>
-                </a:solidFill>
-              </a:rPr>
-              <a:t>4</a:t>
-            </a:r>
-            <a:r>
-              <a:rPr lang="ja-JP" altLang="en-US" sz="5400" dirty="0">
-                <a:solidFill>
-                  <a:schemeClr val="bg1"/>
-                </a:solidFill>
-              </a:rPr>
-              <a:t>種類に</a:t>
-            </a:r>
-            <a:r>
-              <a:rPr lang="ja-JP" altLang="en-US" sz="5400" dirty="0" smtClean="0">
-                <a:solidFill>
-                  <a:schemeClr val="bg1"/>
-                </a:solidFill>
-              </a:rPr>
-              <a:t>分類することができた．</a:t>
-            </a:r>
-            <a:endParaRPr kumimoji="1" lang="ja-JP" altLang="en-US" sz="5400" dirty="0">
-              <a:solidFill>
-                <a:schemeClr val="bg1"/>
-              </a:solidFill>
-            </a:endParaRPr>
-          </a:p>
-        </p:txBody>
-      </p:sp>
-      <p:sp>
-        <p:nvSpPr>
-          <p:cNvPr id="22" name="テキスト ボックス 21"/>
-          <p:cNvSpPr txBox="1"/>
-          <p:nvPr/>
-        </p:nvSpPr>
-        <p:spPr>
-          <a:xfrm>
-            <a:off x="652664" y="26797749"/>
-            <a:ext cx="4031873" cy="1015663"/>
-          </a:xfrm>
-          <a:prstGeom prst="rect">
-            <a:avLst/>
-          </a:prstGeom>
-          <a:noFill/>
-        </p:spPr>
-        <p:txBody>
-          <a:bodyPr wrap="none" rtlCol="0">
-            <a:spAutoFit/>
-          </a:bodyPr>
-          <a:lstStyle/>
-          <a:p>
-            <a:r>
-              <a:rPr kumimoji="1" lang="ja-JP" altLang="en-US" dirty="0" smtClean="0">
-                <a:solidFill>
-                  <a:schemeClr val="bg1"/>
-                </a:solidFill>
-              </a:rPr>
-              <a:t>今後の予定</a:t>
-            </a:r>
-            <a:endParaRPr kumimoji="1" lang="ja-JP" altLang="en-US" dirty="0">
-              <a:solidFill>
-                <a:schemeClr val="bg1"/>
-              </a:solidFill>
-            </a:endParaRPr>
-          </a:p>
-        </p:txBody>
-      </p:sp>
-      <p:sp>
-        <p:nvSpPr>
-          <p:cNvPr id="23" name="テキスト ボックス 22"/>
-          <p:cNvSpPr txBox="1"/>
-          <p:nvPr/>
-        </p:nvSpPr>
-        <p:spPr>
-          <a:xfrm>
-            <a:off x="701086" y="27813412"/>
-            <a:ext cx="14592456" cy="2308324"/>
-          </a:xfrm>
-          <a:prstGeom prst="rect">
-            <a:avLst/>
-          </a:prstGeom>
-          <a:noFill/>
-        </p:spPr>
-        <p:txBody>
-          <a:bodyPr wrap="none" rtlCol="0">
-            <a:spAutoFit/>
-          </a:bodyPr>
-          <a:lstStyle/>
-          <a:p>
-            <a:pPr marL="857250" indent="-857250">
-              <a:buFont typeface="Arial" panose="020B0604020202020204" pitchFamily="34" charset="0"/>
-              <a:buChar char="•"/>
-            </a:pPr>
-            <a:r>
-              <a:rPr lang="ja-JP" altLang="en-US" sz="4800" dirty="0">
-                <a:solidFill>
-                  <a:schemeClr val="bg1"/>
-                </a:solidFill>
-              </a:rPr>
-              <a:t>データを自動で集められるように環境を整える</a:t>
-            </a:r>
-            <a:r>
-              <a:rPr lang="ja-JP" altLang="en-US" sz="4800" dirty="0" smtClean="0">
-                <a:solidFill>
-                  <a:schemeClr val="bg1"/>
-                </a:solidFill>
-              </a:rPr>
-              <a:t>．</a:t>
-            </a:r>
-            <a:endParaRPr lang="en-US" altLang="ja-JP" sz="4800" dirty="0">
-              <a:solidFill>
-                <a:schemeClr val="bg1"/>
-              </a:solidFill>
-            </a:endParaRPr>
-          </a:p>
-          <a:p>
-            <a:pPr marL="857250" indent="-857250">
-              <a:buFont typeface="Arial" panose="020B0604020202020204" pitchFamily="34" charset="0"/>
-              <a:buChar char="•"/>
-            </a:pPr>
-            <a:r>
-              <a:rPr lang="ja-JP" altLang="en-US" sz="4800" dirty="0">
-                <a:solidFill>
-                  <a:schemeClr val="bg1"/>
-                </a:solidFill>
-              </a:rPr>
-              <a:t>データを集めるサイトを増やす</a:t>
-            </a:r>
-            <a:r>
-              <a:rPr lang="ja-JP" altLang="en-US" sz="4800" dirty="0" smtClean="0">
-                <a:solidFill>
-                  <a:schemeClr val="bg1"/>
-                </a:solidFill>
-              </a:rPr>
-              <a:t>．</a:t>
-            </a:r>
-            <a:endParaRPr lang="en-US" altLang="ja-JP" sz="4800" dirty="0" smtClean="0">
-              <a:solidFill>
-                <a:schemeClr val="bg1"/>
-              </a:solidFill>
-            </a:endParaRPr>
-          </a:p>
-          <a:p>
-            <a:pPr marL="857250" indent="-857250">
-              <a:buFont typeface="Arial" panose="020B0604020202020204" pitchFamily="34" charset="0"/>
-              <a:buChar char="•"/>
-            </a:pPr>
-            <a:r>
-              <a:rPr lang="ja-JP" altLang="en-US" sz="4800" dirty="0">
-                <a:solidFill>
-                  <a:schemeClr val="bg1"/>
-                </a:solidFill>
-              </a:rPr>
-              <a:t>金額の推移に関わっている要因を探す．</a:t>
-            </a:r>
-            <a:endParaRPr kumimoji="1" lang="ja-JP" altLang="en-US" sz="4800" dirty="0">
-              <a:solidFill>
-                <a:schemeClr val="bg1"/>
-              </a:solidFill>
-            </a:endParaRPr>
-          </a:p>
-        </p:txBody>
-      </p:sp>
+      <p:graphicFrame>
+        <p:nvGraphicFramePr>
+          <p:cNvPr id="7" name="オブジェクト 6"/>
+          <p:cNvGraphicFramePr>
+            <a:graphicFrameLocks noChangeAspect="1"/>
+          </p:cNvGraphicFramePr>
+          <p:nvPr>
+            <p:extLst>
+              <p:ext uri="{D42A27DB-BD31-4B8C-83A1-F6EECF244321}">
+                <p14:modId xmlns:p14="http://schemas.microsoft.com/office/powerpoint/2010/main" val="4005541004"/>
+              </p:ext>
+            </p:extLst>
+          </p:nvPr>
+        </p:nvGraphicFramePr>
+        <p:xfrm>
+          <a:off x="685640" y="23024858"/>
+          <a:ext cx="5524753" cy="3444053"/>
+        </p:xfrm>
+        <a:graphic>
+          <a:graphicData uri="http://schemas.openxmlformats.org/presentationml/2006/ole">
+            <mc:AlternateContent xmlns:mc="http://schemas.openxmlformats.org/markup-compatibility/2006">
+              <mc:Choice xmlns:v="urn:schemas-microsoft-com:vml" Requires="v">
+                <p:oleObj spid="_x0000_s1033" name="ワークシート" r:id="rId10" imgW="4547499" imgH="2834742" progId="Excel.Sheet.12">
+                  <p:embed/>
+                </p:oleObj>
+              </mc:Choice>
+              <mc:Fallback>
+                <p:oleObj name="ワークシート" r:id="rId10" imgW="4547499" imgH="2834742" progId="Excel.Sheet.12">
+                  <p:embed/>
+                  <p:pic>
+                    <p:nvPicPr>
+                      <p:cNvPr id="0" name=""/>
+                      <p:cNvPicPr/>
+                      <p:nvPr/>
+                    </p:nvPicPr>
+                    <p:blipFill>
+                      <a:blip r:embed="rId11"/>
+                      <a:stretch>
+                        <a:fillRect/>
+                      </a:stretch>
+                    </p:blipFill>
+                    <p:spPr>
+                      <a:xfrm>
+                        <a:off x="685640" y="23024858"/>
+                        <a:ext cx="5524753" cy="3444053"/>
+                      </a:xfrm>
+                      <a:prstGeom prst="rect">
+                        <a:avLst/>
+                      </a:prstGeom>
+                    </p:spPr>
+                  </p:pic>
+                </p:oleObj>
+              </mc:Fallback>
+            </mc:AlternateContent>
+          </a:graphicData>
+        </a:graphic>
+      </p:graphicFrame>
+      <p:graphicFrame>
+        <p:nvGraphicFramePr>
+          <p:cNvPr id="14" name="オブジェクト 13"/>
+          <p:cNvGraphicFramePr>
+            <a:graphicFrameLocks noChangeAspect="1"/>
+          </p:cNvGraphicFramePr>
+          <p:nvPr>
+            <p:extLst>
+              <p:ext uri="{D42A27DB-BD31-4B8C-83A1-F6EECF244321}">
+                <p14:modId xmlns:p14="http://schemas.microsoft.com/office/powerpoint/2010/main" val="3061771174"/>
+              </p:ext>
+            </p:extLst>
+          </p:nvPr>
+        </p:nvGraphicFramePr>
+        <p:xfrm>
+          <a:off x="6167457" y="19645070"/>
+          <a:ext cx="5482818" cy="3422141"/>
+        </p:xfrm>
+        <a:graphic>
+          <a:graphicData uri="http://schemas.openxmlformats.org/presentationml/2006/ole">
+            <mc:AlternateContent xmlns:mc="http://schemas.openxmlformats.org/markup-compatibility/2006">
+              <mc:Choice xmlns:v="urn:schemas-microsoft-com:vml" Requires="v">
+                <p:oleObj spid="_x0000_s1034" name="ワークシート" r:id="rId12" imgW="4543179" imgH="2836182" progId="Excel.Sheet.12">
+                  <p:embed/>
+                </p:oleObj>
+              </mc:Choice>
+              <mc:Fallback>
+                <p:oleObj name="ワークシート" r:id="rId12" imgW="4543179" imgH="2836182" progId="Excel.Sheet.12">
+                  <p:embed/>
+                  <p:pic>
+                    <p:nvPicPr>
+                      <p:cNvPr id="0" name=""/>
+                      <p:cNvPicPr/>
+                      <p:nvPr/>
+                    </p:nvPicPr>
+                    <p:blipFill>
+                      <a:blip r:embed="rId13"/>
+                      <a:stretch>
+                        <a:fillRect/>
+                      </a:stretch>
+                    </p:blipFill>
+                    <p:spPr>
+                      <a:xfrm>
+                        <a:off x="6167457" y="19645070"/>
+                        <a:ext cx="5482818" cy="3422141"/>
+                      </a:xfrm>
+                      <a:prstGeom prst="rect">
+                        <a:avLst/>
+                      </a:prstGeom>
+                    </p:spPr>
+                  </p:pic>
+                </p:oleObj>
+              </mc:Fallback>
+            </mc:AlternateContent>
+          </a:graphicData>
+        </a:graphic>
+      </p:graphicFrame>
+      <p:graphicFrame>
+        <p:nvGraphicFramePr>
+          <p:cNvPr id="29" name="オブジェクト 28"/>
+          <p:cNvGraphicFramePr>
+            <a:graphicFrameLocks noChangeAspect="1"/>
+          </p:cNvGraphicFramePr>
+          <p:nvPr>
+            <p:extLst>
+              <p:ext uri="{D42A27DB-BD31-4B8C-83A1-F6EECF244321}">
+                <p14:modId xmlns:p14="http://schemas.microsoft.com/office/powerpoint/2010/main" val="2389884564"/>
+              </p:ext>
+            </p:extLst>
+          </p:nvPr>
+        </p:nvGraphicFramePr>
+        <p:xfrm>
+          <a:off x="6184254" y="23024858"/>
+          <a:ext cx="5408561" cy="3444054"/>
+        </p:xfrm>
+        <a:graphic>
+          <a:graphicData uri="http://schemas.openxmlformats.org/presentationml/2006/ole">
+            <mc:AlternateContent xmlns:mc="http://schemas.openxmlformats.org/markup-compatibility/2006">
+              <mc:Choice xmlns:v="urn:schemas-microsoft-com:vml" Requires="v">
+                <p:oleObj spid="_x0000_s1035" name="ワークシート" r:id="rId14" imgW="4556860" imgH="2802701" progId="Excel.Sheet.12">
+                  <p:embed/>
+                </p:oleObj>
+              </mc:Choice>
+              <mc:Fallback>
+                <p:oleObj name="ワークシート" r:id="rId14" imgW="4556860" imgH="2802701" progId="Excel.Sheet.12">
+                  <p:embed/>
+                  <p:pic>
+                    <p:nvPicPr>
+                      <p:cNvPr id="0" name=""/>
+                      <p:cNvPicPr/>
+                      <p:nvPr/>
+                    </p:nvPicPr>
+                    <p:blipFill>
+                      <a:blip r:embed="rId15"/>
+                      <a:stretch>
+                        <a:fillRect/>
+                      </a:stretch>
+                    </p:blipFill>
+                    <p:spPr>
+                      <a:xfrm>
+                        <a:off x="6184254" y="23024858"/>
+                        <a:ext cx="5408561" cy="3444054"/>
+                      </a:xfrm>
+                      <a:prstGeom prst="rect">
+                        <a:avLst/>
+                      </a:prstGeom>
+                    </p:spPr>
+                  </p:pic>
+                </p:oleObj>
+              </mc:Fallback>
+            </mc:AlternateContent>
+          </a:graphicData>
+        </a:graphic>
+      </p:graphicFrame>
     </p:spTree>
     <p:extLst>
       <p:ext uri="{BB962C8B-B14F-4D97-AF65-F5344CB8AC3E}">
